--- a/documentos/proposta_dashboard_COVID-19 no Brasil.pptx
+++ b/documentos/proposta_dashboard_COVID-19 no Brasil.pptx
@@ -6,6 +6,7 @@
   </p:sldMasterIdLst>
   <p:sldIdLst>
     <p:sldId id="256" r:id="rId2"/>
+    <p:sldId id="257" r:id="rId3"/>
   </p:sldIdLst>
   <p:sldSz cx="9144000" cy="6858000" type="screen4x3"/>
   <p:notesSz cx="6858000" cy="9144000"/>
@@ -288,7 +289,8 @@
           <a:p>
             <a:fld id="{27DEFF83-8F50-4ED7-8B5E-AF070D111B7D}" type="datetimeFigureOut">
               <a:rPr lang="pt-BR" smtClean="0"/>
-              <a:t>15/05/2023</a:t>
+              <a:pPr/>
+              <a:t>02/06/2023</a:t>
             </a:fld>
             <a:endParaRPr lang="pt-BR"/>
           </a:p>
@@ -330,6 +332,7 @@
           <a:p>
             <a:fld id="{FC2A1103-DA9F-4D89-8B1B-53021F515168}" type="slidenum">
               <a:rPr lang="pt-BR" smtClean="0"/>
+              <a:pPr/>
               <a:t>‹nº›</a:t>
             </a:fld>
             <a:endParaRPr lang="pt-BR"/>
@@ -453,7 +456,8 @@
           <a:p>
             <a:fld id="{27DEFF83-8F50-4ED7-8B5E-AF070D111B7D}" type="datetimeFigureOut">
               <a:rPr lang="pt-BR" smtClean="0"/>
-              <a:t>15/05/2023</a:t>
+              <a:pPr/>
+              <a:t>02/06/2023</a:t>
             </a:fld>
             <a:endParaRPr lang="pt-BR"/>
           </a:p>
@@ -495,6 +499,7 @@
           <a:p>
             <a:fld id="{FC2A1103-DA9F-4D89-8B1B-53021F515168}" type="slidenum">
               <a:rPr lang="pt-BR" smtClean="0"/>
+              <a:pPr/>
               <a:t>‹nº›</a:t>
             </a:fld>
             <a:endParaRPr lang="pt-BR"/>
@@ -628,7 +633,8 @@
           <a:p>
             <a:fld id="{27DEFF83-8F50-4ED7-8B5E-AF070D111B7D}" type="datetimeFigureOut">
               <a:rPr lang="pt-BR" smtClean="0"/>
-              <a:t>15/05/2023</a:t>
+              <a:pPr/>
+              <a:t>02/06/2023</a:t>
             </a:fld>
             <a:endParaRPr lang="pt-BR"/>
           </a:p>
@@ -670,6 +676,7 @@
           <a:p>
             <a:fld id="{FC2A1103-DA9F-4D89-8B1B-53021F515168}" type="slidenum">
               <a:rPr lang="pt-BR" smtClean="0"/>
+              <a:pPr/>
               <a:t>‹nº›</a:t>
             </a:fld>
             <a:endParaRPr lang="pt-BR"/>
@@ -793,7 +800,8 @@
           <a:p>
             <a:fld id="{27DEFF83-8F50-4ED7-8B5E-AF070D111B7D}" type="datetimeFigureOut">
               <a:rPr lang="pt-BR" smtClean="0"/>
-              <a:t>15/05/2023</a:t>
+              <a:pPr/>
+              <a:t>02/06/2023</a:t>
             </a:fld>
             <a:endParaRPr lang="pt-BR"/>
           </a:p>
@@ -835,6 +843,7 @@
           <a:p>
             <a:fld id="{FC2A1103-DA9F-4D89-8B1B-53021F515168}" type="slidenum">
               <a:rPr lang="pt-BR" smtClean="0"/>
+              <a:pPr/>
               <a:t>‹nº›</a:t>
             </a:fld>
             <a:endParaRPr lang="pt-BR"/>
@@ -1034,7 +1043,8 @@
           <a:p>
             <a:fld id="{27DEFF83-8F50-4ED7-8B5E-AF070D111B7D}" type="datetimeFigureOut">
               <a:rPr lang="pt-BR" smtClean="0"/>
-              <a:t>15/05/2023</a:t>
+              <a:pPr/>
+              <a:t>02/06/2023</a:t>
             </a:fld>
             <a:endParaRPr lang="pt-BR"/>
           </a:p>
@@ -1076,6 +1086,7 @@
           <a:p>
             <a:fld id="{FC2A1103-DA9F-4D89-8B1B-53021F515168}" type="slidenum">
               <a:rPr lang="pt-BR" smtClean="0"/>
+              <a:pPr/>
               <a:t>‹nº›</a:t>
             </a:fld>
             <a:endParaRPr lang="pt-BR"/>
@@ -1317,7 +1328,8 @@
           <a:p>
             <a:fld id="{27DEFF83-8F50-4ED7-8B5E-AF070D111B7D}" type="datetimeFigureOut">
               <a:rPr lang="pt-BR" smtClean="0"/>
-              <a:t>15/05/2023</a:t>
+              <a:pPr/>
+              <a:t>02/06/2023</a:t>
             </a:fld>
             <a:endParaRPr lang="pt-BR"/>
           </a:p>
@@ -1359,6 +1371,7 @@
           <a:p>
             <a:fld id="{FC2A1103-DA9F-4D89-8B1B-53021F515168}" type="slidenum">
               <a:rPr lang="pt-BR" smtClean="0"/>
+              <a:pPr/>
               <a:t>‹nº›</a:t>
             </a:fld>
             <a:endParaRPr lang="pt-BR"/>
@@ -1734,7 +1747,8 @@
           <a:p>
             <a:fld id="{27DEFF83-8F50-4ED7-8B5E-AF070D111B7D}" type="datetimeFigureOut">
               <a:rPr lang="pt-BR" smtClean="0"/>
-              <a:t>15/05/2023</a:t>
+              <a:pPr/>
+              <a:t>02/06/2023</a:t>
             </a:fld>
             <a:endParaRPr lang="pt-BR"/>
           </a:p>
@@ -1776,6 +1790,7 @@
           <a:p>
             <a:fld id="{FC2A1103-DA9F-4D89-8B1B-53021F515168}" type="slidenum">
               <a:rPr lang="pt-BR" smtClean="0"/>
+              <a:pPr/>
               <a:t>‹nº›</a:t>
             </a:fld>
             <a:endParaRPr lang="pt-BR"/>
@@ -1847,7 +1862,8 @@
           <a:p>
             <a:fld id="{27DEFF83-8F50-4ED7-8B5E-AF070D111B7D}" type="datetimeFigureOut">
               <a:rPr lang="pt-BR" smtClean="0"/>
-              <a:t>15/05/2023</a:t>
+              <a:pPr/>
+              <a:t>02/06/2023</a:t>
             </a:fld>
             <a:endParaRPr lang="pt-BR"/>
           </a:p>
@@ -1889,6 +1905,7 @@
           <a:p>
             <a:fld id="{FC2A1103-DA9F-4D89-8B1B-53021F515168}" type="slidenum">
               <a:rPr lang="pt-BR" smtClean="0"/>
+              <a:pPr/>
               <a:t>‹nº›</a:t>
             </a:fld>
             <a:endParaRPr lang="pt-BR"/>
@@ -1937,7 +1954,8 @@
           <a:p>
             <a:fld id="{27DEFF83-8F50-4ED7-8B5E-AF070D111B7D}" type="datetimeFigureOut">
               <a:rPr lang="pt-BR" smtClean="0"/>
-              <a:t>15/05/2023</a:t>
+              <a:pPr/>
+              <a:t>02/06/2023</a:t>
             </a:fld>
             <a:endParaRPr lang="pt-BR"/>
           </a:p>
@@ -1979,6 +1997,7 @@
           <a:p>
             <a:fld id="{FC2A1103-DA9F-4D89-8B1B-53021F515168}" type="slidenum">
               <a:rPr lang="pt-BR" smtClean="0"/>
+              <a:pPr/>
               <a:t>‹nº›</a:t>
             </a:fld>
             <a:endParaRPr lang="pt-BR"/>
@@ -2209,7 +2228,8 @@
           <a:p>
             <a:fld id="{27DEFF83-8F50-4ED7-8B5E-AF070D111B7D}" type="datetimeFigureOut">
               <a:rPr lang="pt-BR" smtClean="0"/>
-              <a:t>15/05/2023</a:t>
+              <a:pPr/>
+              <a:t>02/06/2023</a:t>
             </a:fld>
             <a:endParaRPr lang="pt-BR"/>
           </a:p>
@@ -2251,6 +2271,7 @@
           <a:p>
             <a:fld id="{FC2A1103-DA9F-4D89-8B1B-53021F515168}" type="slidenum">
               <a:rPr lang="pt-BR" smtClean="0"/>
+              <a:pPr/>
               <a:t>‹nº›</a:t>
             </a:fld>
             <a:endParaRPr lang="pt-BR"/>
@@ -2457,7 +2478,8 @@
           <a:p>
             <a:fld id="{27DEFF83-8F50-4ED7-8B5E-AF070D111B7D}" type="datetimeFigureOut">
               <a:rPr lang="pt-BR" smtClean="0"/>
-              <a:t>15/05/2023</a:t>
+              <a:pPr/>
+              <a:t>02/06/2023</a:t>
             </a:fld>
             <a:endParaRPr lang="pt-BR"/>
           </a:p>
@@ -2499,6 +2521,7 @@
           <a:p>
             <a:fld id="{FC2A1103-DA9F-4D89-8B1B-53021F515168}" type="slidenum">
               <a:rPr lang="pt-BR" smtClean="0"/>
+              <a:pPr/>
               <a:t>‹nº›</a:t>
             </a:fld>
             <a:endParaRPr lang="pt-BR"/>
@@ -2665,7 +2688,8 @@
           <a:p>
             <a:fld id="{27DEFF83-8F50-4ED7-8B5E-AF070D111B7D}" type="datetimeFigureOut">
               <a:rPr lang="pt-BR" smtClean="0"/>
-              <a:t>15/05/2023</a:t>
+              <a:pPr/>
+              <a:t>02/06/2023</a:t>
             </a:fld>
             <a:endParaRPr lang="pt-BR"/>
           </a:p>
@@ -2743,6 +2767,7 @@
           <a:p>
             <a:fld id="{FC2A1103-DA9F-4D89-8B1B-53021F515168}" type="slidenum">
               <a:rPr lang="pt-BR" smtClean="0"/>
+              <a:pPr/>
               <a:t>‹nº›</a:t>
             </a:fld>
             <a:endParaRPr lang="pt-BR"/>
@@ -4193,6 +4218,2215 @@
               <a:solidFill>
                 <a:schemeClr val="bg1"/>
               </a:solidFill>
+            </a:endParaRPr>
+          </a:p>
+        </p:txBody>
+      </p:sp>
+    </p:spTree>
+  </p:cSld>
+  <p:clrMapOvr>
+    <a:masterClrMapping/>
+  </p:clrMapOvr>
+</p:sld>
+</file>
+
+<file path=ppt/slides/slide2.xml><?xml version="1.0" encoding="utf-8"?>
+<p:sld xmlns:a="http://schemas.openxmlformats.org/drawingml/2006/main" xmlns:r="http://schemas.openxmlformats.org/officeDocument/2006/relationships" xmlns:p="http://schemas.openxmlformats.org/presentationml/2006/main">
+  <p:cSld>
+    <p:spTree>
+      <p:nvGrpSpPr>
+        <p:cNvPr id="1" name=""/>
+        <p:cNvGrpSpPr/>
+        <p:nvPr/>
+      </p:nvGrpSpPr>
+      <p:grpSpPr>
+        <a:xfrm>
+          <a:off x="0" y="0"/>
+          <a:ext cx="0" cy="0"/>
+          <a:chOff x="0" y="0"/>
+          <a:chExt cx="0" cy="0"/>
+        </a:xfrm>
+      </p:grpSpPr>
+      <p:sp>
+        <p:nvSpPr>
+          <p:cNvPr id="16" name="Subtítulo 3"/>
+          <p:cNvSpPr txBox="1">
+            <a:spLocks/>
+          </p:cNvSpPr>
+          <p:nvPr/>
+        </p:nvSpPr>
+        <p:spPr>
+          <a:xfrm>
+            <a:off x="144016" y="1412776"/>
+            <a:ext cx="1728000" cy="5256584"/>
+          </a:xfrm>
+          <a:prstGeom prst="rect">
+            <a:avLst/>
+          </a:prstGeom>
+        </p:spPr>
+        <p:style>
+          <a:lnRef idx="2">
+            <a:schemeClr val="dk1"/>
+          </a:lnRef>
+          <a:fillRef idx="1">
+            <a:schemeClr val="lt1"/>
+          </a:fillRef>
+          <a:effectRef idx="0">
+            <a:schemeClr val="dk1"/>
+          </a:effectRef>
+          <a:fontRef idx="minor">
+            <a:schemeClr val="dk1"/>
+          </a:fontRef>
+        </p:style>
+        <p:txBody>
+          <a:bodyPr vert="horz" lIns="91440" tIns="45720" rIns="91440" bIns="45720" rtlCol="0">
+            <a:normAutofit/>
+          </a:bodyPr>
+          <a:lstStyle/>
+          <a:p>
+            <a:pPr marL="0" marR="0" lvl="0" indent="0" algn="ctr" defTabSz="914400" rtl="0" eaLnBrk="1" fontAlgn="auto" latinLnBrk="0" hangingPunct="1">
+              <a:lnSpc>
+                <a:spcPct val="100000"/>
+              </a:lnSpc>
+              <a:spcBef>
+                <a:spcPct val="20000"/>
+              </a:spcBef>
+              <a:spcAft>
+                <a:spcPts val="0"/>
+              </a:spcAft>
+              <a:buClrTx/>
+              <a:buSzTx/>
+              <a:buFont typeface="Arial" pitchFamily="34" charset="0"/>
+              <a:buNone/>
+              <a:tabLst/>
+              <a:defRPr/>
+            </a:pPr>
+            <a:r>
+              <a:rPr kumimoji="0" lang="pt-BR" sz="1200" b="0" i="0" u="none" strike="noStrike" kern="1200" cap="none" spc="0" normalizeH="0" baseline="0" noProof="0" dirty="0" err="1" smtClean="0">
+                <a:ln>
+                  <a:noFill/>
+                </a:ln>
+                <a:solidFill>
+                  <a:schemeClr val="tx1">
+                    <a:tint val="75000"/>
+                  </a:schemeClr>
+                </a:solidFill>
+                <a:effectLst/>
+                <a:uLnTx/>
+                <a:uFillTx/>
+                <a:latin typeface="+mn-lt"/>
+                <a:ea typeface="+mn-ea"/>
+                <a:cs typeface="+mn-cs"/>
+              </a:rPr>
+              <a:t>Obitos</a:t>
+            </a:r>
+            <a:endParaRPr lang="pt-BR" sz="1200" dirty="0" smtClean="0">
+              <a:solidFill>
+                <a:schemeClr val="tx1">
+                  <a:tint val="75000"/>
+                </a:schemeClr>
+              </a:solidFill>
+            </a:endParaRPr>
+          </a:p>
+          <a:p>
+            <a:pPr marL="0" marR="0" lvl="0" indent="0" algn="ctr" defTabSz="914400" rtl="0" eaLnBrk="1" fontAlgn="auto" latinLnBrk="0" hangingPunct="1">
+              <a:lnSpc>
+                <a:spcPct val="100000"/>
+              </a:lnSpc>
+              <a:spcBef>
+                <a:spcPct val="20000"/>
+              </a:spcBef>
+              <a:spcAft>
+                <a:spcPts val="0"/>
+              </a:spcAft>
+              <a:buClrTx/>
+              <a:buSzTx/>
+              <a:buFont typeface="Arial" pitchFamily="34" charset="0"/>
+              <a:buNone/>
+              <a:tabLst/>
+              <a:defRPr/>
+            </a:pPr>
+            <a:r>
+              <a:rPr lang="pt-BR" sz="1200" dirty="0" smtClean="0">
+                <a:solidFill>
+                  <a:schemeClr val="tx1">
+                    <a:tint val="75000"/>
+                  </a:schemeClr>
+                </a:solidFill>
+              </a:rPr>
+              <a:t>Media Idade </a:t>
+            </a:r>
+            <a:r>
+              <a:rPr lang="pt-BR" sz="1200" dirty="0" err="1" smtClean="0">
+                <a:solidFill>
+                  <a:schemeClr val="tx1">
+                    <a:tint val="75000"/>
+                  </a:schemeClr>
+                </a:solidFill>
+              </a:rPr>
+              <a:t>Obitos</a:t>
+            </a:r>
+            <a:endParaRPr lang="pt-BR" sz="1200" dirty="0" smtClean="0">
+              <a:solidFill>
+                <a:schemeClr val="tx1">
+                  <a:tint val="75000"/>
+                </a:schemeClr>
+              </a:solidFill>
+            </a:endParaRPr>
+          </a:p>
+          <a:p>
+            <a:pPr marL="0" marR="0" lvl="0" indent="0" algn="ctr" defTabSz="914400" rtl="0" eaLnBrk="1" fontAlgn="auto" latinLnBrk="0" hangingPunct="1">
+              <a:lnSpc>
+                <a:spcPct val="100000"/>
+              </a:lnSpc>
+              <a:spcBef>
+                <a:spcPct val="20000"/>
+              </a:spcBef>
+              <a:spcAft>
+                <a:spcPts val="0"/>
+              </a:spcAft>
+              <a:buClrTx/>
+              <a:buSzTx/>
+              <a:buFont typeface="Arial" pitchFamily="34" charset="0"/>
+              <a:buNone/>
+              <a:tabLst/>
+              <a:defRPr/>
+            </a:pPr>
+            <a:r>
+              <a:rPr lang="pt-BR" sz="1200" dirty="0" smtClean="0">
+                <a:solidFill>
+                  <a:schemeClr val="tx1">
+                    <a:tint val="75000"/>
+                  </a:schemeClr>
+                </a:solidFill>
+              </a:rPr>
+              <a:t>Sexo Mortalidade</a:t>
+            </a:r>
+          </a:p>
+          <a:p>
+            <a:pPr marL="0" marR="0" lvl="0" indent="0" algn="ctr" defTabSz="914400" rtl="0" eaLnBrk="1" fontAlgn="auto" latinLnBrk="0" hangingPunct="1">
+              <a:lnSpc>
+                <a:spcPct val="100000"/>
+              </a:lnSpc>
+              <a:spcBef>
+                <a:spcPct val="20000"/>
+              </a:spcBef>
+              <a:spcAft>
+                <a:spcPts val="0"/>
+              </a:spcAft>
+              <a:buClrTx/>
+              <a:buSzTx/>
+              <a:buFont typeface="Arial" pitchFamily="34" charset="0"/>
+              <a:buNone/>
+              <a:tabLst/>
+              <a:defRPr/>
+            </a:pPr>
+            <a:r>
+              <a:rPr lang="pt-BR" sz="1200" dirty="0" smtClean="0">
+                <a:solidFill>
+                  <a:schemeClr val="tx1">
+                    <a:tint val="75000"/>
+                  </a:schemeClr>
+                </a:solidFill>
+              </a:rPr>
+              <a:t>Principal  Fator de Risco</a:t>
+            </a:r>
+          </a:p>
+          <a:p>
+            <a:pPr marL="0" marR="0" lvl="0" indent="0" algn="ctr" defTabSz="914400" rtl="0" eaLnBrk="1" fontAlgn="auto" latinLnBrk="0" hangingPunct="1">
+              <a:lnSpc>
+                <a:spcPct val="100000"/>
+              </a:lnSpc>
+              <a:spcBef>
+                <a:spcPct val="20000"/>
+              </a:spcBef>
+              <a:spcAft>
+                <a:spcPts val="0"/>
+              </a:spcAft>
+              <a:buClrTx/>
+              <a:buSzTx/>
+              <a:buFont typeface="Arial" pitchFamily="34" charset="0"/>
+              <a:buNone/>
+              <a:tabLst/>
+              <a:defRPr/>
+            </a:pPr>
+            <a:r>
+              <a:rPr lang="pt-BR" sz="1200" dirty="0" smtClean="0">
+                <a:solidFill>
+                  <a:schemeClr val="tx1">
+                    <a:tint val="75000"/>
+                  </a:schemeClr>
+                </a:solidFill>
+              </a:rPr>
+              <a:t>Principal Sinal e Sintoma</a:t>
+            </a:r>
+          </a:p>
+          <a:p>
+            <a:pPr marL="0" marR="0" lvl="0" indent="0" algn="ctr" defTabSz="914400" rtl="0" eaLnBrk="1" fontAlgn="auto" latinLnBrk="0" hangingPunct="1">
+              <a:lnSpc>
+                <a:spcPct val="100000"/>
+              </a:lnSpc>
+              <a:spcBef>
+                <a:spcPct val="20000"/>
+              </a:spcBef>
+              <a:spcAft>
+                <a:spcPts val="0"/>
+              </a:spcAft>
+              <a:buClrTx/>
+              <a:buSzTx/>
+              <a:buFont typeface="Arial" pitchFamily="34" charset="0"/>
+              <a:buNone/>
+              <a:tabLst/>
+              <a:defRPr/>
+            </a:pPr>
+            <a:endParaRPr lang="pt-BR" sz="1200" dirty="0" smtClean="0">
+              <a:solidFill>
+                <a:schemeClr val="tx1">
+                  <a:tint val="75000"/>
+                </a:schemeClr>
+              </a:solidFill>
+            </a:endParaRPr>
+          </a:p>
+          <a:p>
+            <a:pPr marL="0" marR="0" lvl="0" indent="0" algn="ctr" defTabSz="914400" rtl="0" eaLnBrk="1" fontAlgn="auto" latinLnBrk="0" hangingPunct="1">
+              <a:lnSpc>
+                <a:spcPct val="100000"/>
+              </a:lnSpc>
+              <a:spcBef>
+                <a:spcPct val="20000"/>
+              </a:spcBef>
+              <a:spcAft>
+                <a:spcPts val="0"/>
+              </a:spcAft>
+              <a:buClrTx/>
+              <a:buSzTx/>
+              <a:buFont typeface="Arial" pitchFamily="34" charset="0"/>
+              <a:buNone/>
+              <a:tabLst/>
+              <a:defRPr/>
+            </a:pPr>
+            <a:endParaRPr lang="pt-BR" sz="1200" dirty="0">
+              <a:solidFill>
+                <a:schemeClr val="tx1">
+                  <a:tint val="75000"/>
+                </a:schemeClr>
+              </a:solidFill>
+            </a:endParaRPr>
+          </a:p>
+          <a:p>
+            <a:pPr marL="0" marR="0" lvl="0" indent="0" algn="ctr" defTabSz="914400" rtl="0" eaLnBrk="1" fontAlgn="auto" latinLnBrk="0" hangingPunct="1">
+              <a:lnSpc>
+                <a:spcPct val="100000"/>
+              </a:lnSpc>
+              <a:spcBef>
+                <a:spcPct val="20000"/>
+              </a:spcBef>
+              <a:spcAft>
+                <a:spcPts val="0"/>
+              </a:spcAft>
+              <a:buClrTx/>
+              <a:buSzTx/>
+              <a:buFont typeface="Arial" pitchFamily="34" charset="0"/>
+              <a:buNone/>
+              <a:tabLst/>
+              <a:defRPr/>
+            </a:pPr>
+            <a:endParaRPr kumimoji="0" lang="pt-BR" sz="1200" b="0" i="0" u="none" strike="noStrike" kern="1200" cap="none" spc="0" normalizeH="0" baseline="0" noProof="0" dirty="0" smtClean="0">
+              <a:ln>
+                <a:noFill/>
+              </a:ln>
+              <a:solidFill>
+                <a:schemeClr val="tx1">
+                  <a:tint val="75000"/>
+                </a:schemeClr>
+              </a:solidFill>
+              <a:effectLst/>
+              <a:uLnTx/>
+              <a:uFillTx/>
+              <a:latin typeface="+mn-lt"/>
+              <a:ea typeface="+mn-ea"/>
+              <a:cs typeface="+mn-cs"/>
+            </a:endParaRPr>
+          </a:p>
+          <a:p>
+            <a:pPr marL="0" marR="0" lvl="0" indent="0" algn="ctr" defTabSz="914400" rtl="0" eaLnBrk="1" fontAlgn="auto" latinLnBrk="0" hangingPunct="1">
+              <a:lnSpc>
+                <a:spcPct val="100000"/>
+              </a:lnSpc>
+              <a:spcBef>
+                <a:spcPct val="20000"/>
+              </a:spcBef>
+              <a:spcAft>
+                <a:spcPts val="0"/>
+              </a:spcAft>
+              <a:buClrTx/>
+              <a:buSzTx/>
+              <a:buFont typeface="Arial" pitchFamily="34" charset="0"/>
+              <a:buNone/>
+              <a:tabLst/>
+              <a:defRPr/>
+            </a:pPr>
+            <a:endParaRPr kumimoji="0" lang="pt-BR" sz="1200" b="0" i="0" u="none" strike="noStrike" kern="1200" cap="none" spc="0" normalizeH="0" baseline="0" noProof="0" dirty="0" smtClean="0">
+              <a:ln>
+                <a:noFill/>
+              </a:ln>
+              <a:solidFill>
+                <a:schemeClr val="tx1">
+                  <a:tint val="75000"/>
+                </a:schemeClr>
+              </a:solidFill>
+              <a:effectLst/>
+              <a:uLnTx/>
+              <a:uFillTx/>
+              <a:latin typeface="+mn-lt"/>
+              <a:ea typeface="+mn-ea"/>
+              <a:cs typeface="+mn-cs"/>
+            </a:endParaRPr>
+          </a:p>
+        </p:txBody>
+      </p:sp>
+      <p:sp>
+        <p:nvSpPr>
+          <p:cNvPr id="2" name="Título 1"/>
+          <p:cNvSpPr>
+            <a:spLocks noGrp="1"/>
+          </p:cNvSpPr>
+          <p:nvPr>
+            <p:ph type="ctrTitle"/>
+          </p:nvPr>
+        </p:nvSpPr>
+        <p:spPr>
+          <a:xfrm>
+            <a:off x="0" y="1"/>
+            <a:ext cx="9144000" cy="476671"/>
+          </a:xfrm>
+          <a:solidFill>
+            <a:schemeClr val="tx2">
+              <a:lumMod val="60000"/>
+              <a:lumOff val="40000"/>
+            </a:schemeClr>
+          </a:solidFill>
+        </p:spPr>
+        <p:txBody>
+          <a:bodyPr>
+            <a:normAutofit/>
+          </a:bodyPr>
+          <a:lstStyle/>
+          <a:p>
+            <a:pPr algn="l"/>
+            <a:r>
+              <a:rPr lang="pt-BR" sz="1500" b="1" dirty="0" smtClean="0">
+                <a:solidFill>
+                  <a:schemeClr val="bg1"/>
+                </a:solidFill>
+                <a:latin typeface="Arial" pitchFamily="34" charset="0"/>
+                <a:cs typeface="Arial" pitchFamily="34" charset="0"/>
+              </a:rPr>
+              <a:t>COVID-19 no Brasil</a:t>
+            </a:r>
+            <a:endParaRPr lang="pt-BR" sz="1500" b="1" dirty="0">
+              <a:solidFill>
+                <a:schemeClr val="bg1"/>
+              </a:solidFill>
+              <a:latin typeface="Arial" pitchFamily="34" charset="0"/>
+              <a:cs typeface="Arial" pitchFamily="34" charset="0"/>
+            </a:endParaRPr>
+          </a:p>
+        </p:txBody>
+      </p:sp>
+      <p:sp>
+        <p:nvSpPr>
+          <p:cNvPr id="4" name="Subtítulo 3"/>
+          <p:cNvSpPr>
+            <a:spLocks noGrp="1"/>
+          </p:cNvSpPr>
+          <p:nvPr>
+            <p:ph type="subTitle" idx="1"/>
+          </p:nvPr>
+        </p:nvSpPr>
+        <p:spPr>
+          <a:xfrm>
+            <a:off x="4374482" y="3356992"/>
+            <a:ext cx="4662014" cy="1752600"/>
+          </a:xfrm>
+        </p:spPr>
+        <p:style>
+          <a:lnRef idx="2">
+            <a:schemeClr val="dk1"/>
+          </a:lnRef>
+          <a:fillRef idx="1">
+            <a:schemeClr val="lt1"/>
+          </a:fillRef>
+          <a:effectRef idx="0">
+            <a:schemeClr val="dk1"/>
+          </a:effectRef>
+          <a:fontRef idx="minor">
+            <a:schemeClr val="dk1"/>
+          </a:fontRef>
+        </p:style>
+        <p:txBody>
+          <a:bodyPr/>
+          <a:lstStyle/>
+          <a:p>
+            <a:r>
+              <a:rPr lang="pt-BR" sz="1200" dirty="0" err="1" smtClean="0"/>
+              <a:t>Grafico</a:t>
+            </a:r>
+            <a:r>
+              <a:rPr lang="pt-BR" sz="1200" dirty="0" smtClean="0"/>
+              <a:t> Sinais e Sintomas</a:t>
+            </a:r>
+            <a:endParaRPr lang="pt-BR" sz="1200" dirty="0"/>
+          </a:p>
+        </p:txBody>
+      </p:sp>
+      <p:sp>
+        <p:nvSpPr>
+          <p:cNvPr id="5" name="Subtítulo 3"/>
+          <p:cNvSpPr txBox="1">
+            <a:spLocks/>
+          </p:cNvSpPr>
+          <p:nvPr/>
+        </p:nvSpPr>
+        <p:spPr>
+          <a:xfrm>
+            <a:off x="4355976" y="1412775"/>
+            <a:ext cx="4680520" cy="1827711"/>
+          </a:xfrm>
+          <a:prstGeom prst="rect">
+            <a:avLst/>
+          </a:prstGeom>
+        </p:spPr>
+        <p:style>
+          <a:lnRef idx="2">
+            <a:schemeClr val="dk1"/>
+          </a:lnRef>
+          <a:fillRef idx="1">
+            <a:schemeClr val="lt1"/>
+          </a:fillRef>
+          <a:effectRef idx="0">
+            <a:schemeClr val="dk1"/>
+          </a:effectRef>
+          <a:fontRef idx="minor">
+            <a:schemeClr val="dk1"/>
+          </a:fontRef>
+        </p:style>
+        <p:txBody>
+          <a:bodyPr vert="horz" lIns="91440" tIns="45720" rIns="91440" bIns="45720" rtlCol="0">
+            <a:normAutofit/>
+          </a:bodyPr>
+          <a:lstStyle/>
+          <a:p>
+            <a:pPr marL="0" marR="0" lvl="0" indent="0" algn="ctr" defTabSz="914400" rtl="0" eaLnBrk="1" fontAlgn="auto" latinLnBrk="0" hangingPunct="1">
+              <a:lnSpc>
+                <a:spcPct val="100000"/>
+              </a:lnSpc>
+              <a:spcBef>
+                <a:spcPct val="20000"/>
+              </a:spcBef>
+              <a:spcAft>
+                <a:spcPts val="0"/>
+              </a:spcAft>
+              <a:buClrTx/>
+              <a:buSzTx/>
+              <a:buFont typeface="Arial" pitchFamily="34" charset="0"/>
+              <a:buNone/>
+              <a:tabLst/>
+              <a:defRPr/>
+            </a:pPr>
+            <a:r>
+              <a:rPr kumimoji="0" lang="pt-BR" sz="1200" b="0" i="0" u="none" strike="noStrike" kern="1200" cap="none" spc="0" normalizeH="0" baseline="0" noProof="0" dirty="0" err="1" smtClean="0">
+                <a:ln>
+                  <a:noFill/>
+                </a:ln>
+                <a:solidFill>
+                  <a:schemeClr val="tx1">
+                    <a:tint val="75000"/>
+                  </a:schemeClr>
+                </a:solidFill>
+                <a:effectLst/>
+                <a:uLnTx/>
+                <a:uFillTx/>
+                <a:latin typeface="+mn-lt"/>
+                <a:ea typeface="+mn-ea"/>
+                <a:cs typeface="+mn-cs"/>
+              </a:rPr>
+              <a:t>Grafico</a:t>
+            </a:r>
+            <a:r>
+              <a:rPr kumimoji="0" lang="pt-BR" sz="1200" b="0" i="0" u="none" strike="noStrike" kern="1200" cap="none" spc="0" normalizeH="0" baseline="0" noProof="0" dirty="0" smtClean="0">
+                <a:ln>
+                  <a:noFill/>
+                </a:ln>
+                <a:solidFill>
+                  <a:schemeClr val="tx1">
+                    <a:tint val="75000"/>
+                  </a:schemeClr>
+                </a:solidFill>
+                <a:effectLst/>
+                <a:uLnTx/>
+                <a:uFillTx/>
+                <a:latin typeface="+mn-lt"/>
+                <a:ea typeface="+mn-ea"/>
+                <a:cs typeface="+mn-cs"/>
+              </a:rPr>
+              <a:t> Fatores de Risco</a:t>
+            </a:r>
+          </a:p>
+        </p:txBody>
+      </p:sp>
+      <p:pic>
+        <p:nvPicPr>
+          <p:cNvPr id="6" name="Imagem 5" descr="01_mapa_obitos_BR.png"/>
+          <p:cNvPicPr>
+            <a:picLocks noChangeAspect="1"/>
+          </p:cNvPicPr>
+          <p:nvPr/>
+        </p:nvPicPr>
+        <p:blipFill>
+          <a:blip r:embed="rId2" cstate="print"/>
+          <a:stretch>
+            <a:fillRect/>
+          </a:stretch>
+        </p:blipFill>
+        <p:spPr>
+          <a:xfrm>
+            <a:off x="395536" y="3140968"/>
+            <a:ext cx="1296144" cy="1316371"/>
+          </a:xfrm>
+          <a:prstGeom prst="rect">
+            <a:avLst/>
+          </a:prstGeom>
+        </p:spPr>
+      </p:pic>
+      <p:sp>
+        <p:nvSpPr>
+          <p:cNvPr id="8" name="Subtítulo 3"/>
+          <p:cNvSpPr txBox="1">
+            <a:spLocks/>
+          </p:cNvSpPr>
+          <p:nvPr/>
+        </p:nvSpPr>
+        <p:spPr>
+          <a:xfrm>
+            <a:off x="1979712" y="3356992"/>
+            <a:ext cx="2232248" cy="1752600"/>
+          </a:xfrm>
+          <a:prstGeom prst="rect">
+            <a:avLst/>
+          </a:prstGeom>
+        </p:spPr>
+        <p:style>
+          <a:lnRef idx="2">
+            <a:schemeClr val="dk1"/>
+          </a:lnRef>
+          <a:fillRef idx="1">
+            <a:schemeClr val="lt1"/>
+          </a:fillRef>
+          <a:effectRef idx="0">
+            <a:schemeClr val="dk1"/>
+          </a:effectRef>
+          <a:fontRef idx="minor">
+            <a:schemeClr val="dk1"/>
+          </a:fontRef>
+        </p:style>
+        <p:txBody>
+          <a:bodyPr vert="horz" lIns="91440" tIns="45720" rIns="91440" bIns="45720" rtlCol="0">
+            <a:normAutofit/>
+          </a:bodyPr>
+          <a:lstStyle/>
+          <a:p>
+            <a:pPr marL="0" marR="0" lvl="0" indent="0" algn="ctr" defTabSz="914400" rtl="0" eaLnBrk="1" fontAlgn="auto" latinLnBrk="0" hangingPunct="1">
+              <a:lnSpc>
+                <a:spcPct val="100000"/>
+              </a:lnSpc>
+              <a:spcBef>
+                <a:spcPct val="20000"/>
+              </a:spcBef>
+              <a:spcAft>
+                <a:spcPts val="0"/>
+              </a:spcAft>
+              <a:buClrTx/>
+              <a:buSzTx/>
+              <a:buFont typeface="Arial" pitchFamily="34" charset="0"/>
+              <a:buNone/>
+              <a:tabLst/>
+              <a:defRPr/>
+            </a:pPr>
+            <a:r>
+              <a:rPr kumimoji="0" lang="pt-BR" sz="1200" b="0" i="0" u="none" strike="noStrike" kern="1200" cap="none" spc="0" normalizeH="0" baseline="0" noProof="0" dirty="0" err="1" smtClean="0">
+                <a:ln>
+                  <a:noFill/>
+                </a:ln>
+                <a:solidFill>
+                  <a:schemeClr val="tx1">
+                    <a:tint val="75000"/>
+                  </a:schemeClr>
+                </a:solidFill>
+                <a:effectLst/>
+                <a:uLnTx/>
+                <a:uFillTx/>
+                <a:latin typeface="+mn-lt"/>
+                <a:ea typeface="+mn-ea"/>
+                <a:cs typeface="+mn-cs"/>
+              </a:rPr>
+              <a:t>Grafico</a:t>
+            </a:r>
+            <a:r>
+              <a:rPr kumimoji="0" lang="pt-BR" sz="1200" b="0" i="0" u="none" strike="noStrike" kern="1200" cap="none" spc="0" normalizeH="0" baseline="0" noProof="0" dirty="0" smtClean="0">
+                <a:ln>
+                  <a:noFill/>
+                </a:ln>
+                <a:solidFill>
+                  <a:schemeClr val="tx1">
+                    <a:tint val="75000"/>
+                  </a:schemeClr>
+                </a:solidFill>
+                <a:effectLst/>
+                <a:uLnTx/>
+                <a:uFillTx/>
+                <a:latin typeface="+mn-lt"/>
+                <a:ea typeface="+mn-ea"/>
+                <a:cs typeface="+mn-cs"/>
+              </a:rPr>
+              <a:t> Sexo</a:t>
+            </a:r>
+          </a:p>
+        </p:txBody>
+      </p:sp>
+      <p:sp>
+        <p:nvSpPr>
+          <p:cNvPr id="9" name="Subtítulo 3"/>
+          <p:cNvSpPr txBox="1">
+            <a:spLocks/>
+          </p:cNvSpPr>
+          <p:nvPr/>
+        </p:nvSpPr>
+        <p:spPr>
+          <a:xfrm>
+            <a:off x="1979712" y="1412775"/>
+            <a:ext cx="2232248" cy="1827711"/>
+          </a:xfrm>
+          <a:prstGeom prst="rect">
+            <a:avLst/>
+          </a:prstGeom>
+        </p:spPr>
+        <p:style>
+          <a:lnRef idx="2">
+            <a:schemeClr val="dk1"/>
+          </a:lnRef>
+          <a:fillRef idx="1">
+            <a:schemeClr val="lt1"/>
+          </a:fillRef>
+          <a:effectRef idx="0">
+            <a:schemeClr val="dk1"/>
+          </a:effectRef>
+          <a:fontRef idx="minor">
+            <a:schemeClr val="dk1"/>
+          </a:fontRef>
+        </p:style>
+        <p:txBody>
+          <a:bodyPr vert="horz" lIns="91440" tIns="45720" rIns="91440" bIns="45720" rtlCol="0">
+            <a:normAutofit/>
+          </a:bodyPr>
+          <a:lstStyle/>
+          <a:p>
+            <a:pPr marL="0" marR="0" lvl="0" indent="0" algn="ctr" defTabSz="914400" rtl="0" eaLnBrk="1" fontAlgn="auto" latinLnBrk="0" hangingPunct="1">
+              <a:lnSpc>
+                <a:spcPct val="100000"/>
+              </a:lnSpc>
+              <a:spcBef>
+                <a:spcPct val="20000"/>
+              </a:spcBef>
+              <a:spcAft>
+                <a:spcPts val="0"/>
+              </a:spcAft>
+              <a:buClrTx/>
+              <a:buSzTx/>
+              <a:buFont typeface="Arial" pitchFamily="34" charset="0"/>
+              <a:buNone/>
+              <a:tabLst/>
+              <a:defRPr/>
+            </a:pPr>
+            <a:r>
+              <a:rPr kumimoji="0" lang="pt-BR" sz="1200" b="0" i="0" u="none" strike="noStrike" kern="1200" cap="none" spc="0" normalizeH="0" baseline="0" noProof="0" dirty="0" err="1" smtClean="0">
+                <a:ln>
+                  <a:noFill/>
+                </a:ln>
+                <a:solidFill>
+                  <a:schemeClr val="tx1">
+                    <a:tint val="75000"/>
+                  </a:schemeClr>
+                </a:solidFill>
+                <a:effectLst/>
+                <a:uLnTx/>
+                <a:uFillTx/>
+                <a:latin typeface="+mn-lt"/>
+                <a:ea typeface="+mn-ea"/>
+                <a:cs typeface="+mn-cs"/>
+              </a:rPr>
+              <a:t>Grafico</a:t>
+            </a:r>
+            <a:r>
+              <a:rPr kumimoji="0" lang="pt-BR" sz="1200" b="0" i="0" u="none" strike="noStrike" kern="1200" cap="none" spc="0" normalizeH="0" baseline="0" noProof="0" dirty="0" smtClean="0">
+                <a:ln>
+                  <a:noFill/>
+                </a:ln>
+                <a:solidFill>
+                  <a:schemeClr val="tx1">
+                    <a:tint val="75000"/>
+                  </a:schemeClr>
+                </a:solidFill>
+                <a:effectLst/>
+                <a:uLnTx/>
+                <a:uFillTx/>
+                <a:latin typeface="+mn-lt"/>
+                <a:ea typeface="+mn-ea"/>
+                <a:cs typeface="+mn-cs"/>
+              </a:rPr>
+              <a:t> </a:t>
+            </a:r>
+            <a:r>
+              <a:rPr kumimoji="0" lang="pt-BR" sz="1200" b="0" i="0" u="none" strike="noStrike" kern="1200" cap="none" spc="0" normalizeH="0" baseline="0" noProof="0" dirty="0" smtClean="0">
+                <a:ln>
+                  <a:noFill/>
+                </a:ln>
+                <a:solidFill>
+                  <a:schemeClr val="tx1">
+                    <a:tint val="75000"/>
+                  </a:schemeClr>
+                </a:solidFill>
+                <a:effectLst/>
+                <a:uLnTx/>
+                <a:uFillTx/>
+                <a:latin typeface="+mn-lt"/>
+                <a:ea typeface="+mn-ea"/>
+                <a:cs typeface="+mn-cs"/>
+              </a:rPr>
+              <a:t>Idade </a:t>
+            </a:r>
+            <a:r>
+              <a:rPr kumimoji="0" lang="pt-BR" sz="1200" b="0" i="0" u="none" strike="noStrike" kern="1200" cap="none" spc="0" normalizeH="0" baseline="0" noProof="0" dirty="0" err="1" smtClean="0">
+                <a:ln>
+                  <a:noFill/>
+                </a:ln>
+                <a:solidFill>
+                  <a:schemeClr val="tx1">
+                    <a:tint val="75000"/>
+                  </a:schemeClr>
+                </a:solidFill>
+                <a:effectLst/>
+                <a:uLnTx/>
+                <a:uFillTx/>
+                <a:latin typeface="+mn-lt"/>
+                <a:ea typeface="+mn-ea"/>
+                <a:cs typeface="+mn-cs"/>
+              </a:rPr>
+              <a:t>Obito</a:t>
+            </a:r>
+            <a:endParaRPr kumimoji="0" lang="pt-BR" sz="1200" b="0" i="0" u="none" strike="noStrike" kern="1200" cap="none" spc="0" normalizeH="0" baseline="0" noProof="0" dirty="0" smtClean="0">
+              <a:ln>
+                <a:noFill/>
+              </a:ln>
+              <a:solidFill>
+                <a:schemeClr val="tx1">
+                  <a:tint val="75000"/>
+                </a:schemeClr>
+              </a:solidFill>
+              <a:effectLst/>
+              <a:uLnTx/>
+              <a:uFillTx/>
+              <a:latin typeface="+mn-lt"/>
+              <a:ea typeface="+mn-ea"/>
+              <a:cs typeface="+mn-cs"/>
+            </a:endParaRPr>
+          </a:p>
+        </p:txBody>
+      </p:sp>
+      <p:sp>
+        <p:nvSpPr>
+          <p:cNvPr id="11" name="Subtítulo 3"/>
+          <p:cNvSpPr txBox="1">
+            <a:spLocks/>
+          </p:cNvSpPr>
+          <p:nvPr/>
+        </p:nvSpPr>
+        <p:spPr>
+          <a:xfrm>
+            <a:off x="323528" y="5301208"/>
+            <a:ext cx="1296144" cy="1224136"/>
+          </a:xfrm>
+          <a:prstGeom prst="rect">
+            <a:avLst/>
+          </a:prstGeom>
+        </p:spPr>
+        <p:style>
+          <a:lnRef idx="2">
+            <a:schemeClr val="dk1"/>
+          </a:lnRef>
+          <a:fillRef idx="1">
+            <a:schemeClr val="lt1"/>
+          </a:fillRef>
+          <a:effectRef idx="0">
+            <a:schemeClr val="dk1"/>
+          </a:effectRef>
+          <a:fontRef idx="minor">
+            <a:schemeClr val="dk1"/>
+          </a:fontRef>
+        </p:style>
+        <p:txBody>
+          <a:bodyPr vert="horz" lIns="91440" tIns="45720" rIns="91440" bIns="45720" rtlCol="0">
+            <a:normAutofit/>
+          </a:bodyPr>
+          <a:lstStyle/>
+          <a:p>
+            <a:pPr marL="0" marR="0" lvl="0" indent="0" algn="ctr" defTabSz="914400" rtl="0" eaLnBrk="1" fontAlgn="auto" latinLnBrk="0" hangingPunct="1">
+              <a:lnSpc>
+                <a:spcPct val="100000"/>
+              </a:lnSpc>
+              <a:spcBef>
+                <a:spcPct val="20000"/>
+              </a:spcBef>
+              <a:spcAft>
+                <a:spcPts val="0"/>
+              </a:spcAft>
+              <a:buClrTx/>
+              <a:buSzTx/>
+              <a:buFont typeface="Arial" pitchFamily="34" charset="0"/>
+              <a:buNone/>
+              <a:tabLst/>
+              <a:defRPr/>
+            </a:pPr>
+            <a:r>
+              <a:rPr kumimoji="0" lang="pt-BR" sz="1200" b="0" i="0" u="none" strike="noStrike" kern="1200" cap="none" spc="0" normalizeH="0" baseline="0" noProof="0" dirty="0" smtClean="0">
+                <a:ln>
+                  <a:noFill/>
+                </a:ln>
+                <a:solidFill>
+                  <a:schemeClr val="tx1">
+                    <a:tint val="75000"/>
+                  </a:schemeClr>
+                </a:solidFill>
+                <a:effectLst/>
+                <a:uLnTx/>
+                <a:uFillTx/>
+                <a:latin typeface="+mn-lt"/>
+                <a:ea typeface="+mn-ea"/>
+                <a:cs typeface="+mn-cs"/>
+              </a:rPr>
+              <a:t>Tabelas Estados </a:t>
+            </a:r>
+            <a:r>
+              <a:rPr kumimoji="0" lang="pt-BR" sz="1200" b="0" i="0" u="none" strike="noStrike" kern="1200" cap="none" spc="0" normalizeH="0" baseline="0" noProof="0" dirty="0" err="1" smtClean="0">
+                <a:ln>
+                  <a:noFill/>
+                </a:ln>
+                <a:solidFill>
+                  <a:schemeClr val="tx1">
+                    <a:tint val="75000"/>
+                  </a:schemeClr>
+                </a:solidFill>
+                <a:effectLst/>
+                <a:uLnTx/>
+                <a:uFillTx/>
+                <a:latin typeface="+mn-lt"/>
+                <a:ea typeface="+mn-ea"/>
+                <a:cs typeface="+mn-cs"/>
+              </a:rPr>
+              <a:t>Obitos</a:t>
+            </a:r>
+            <a:endParaRPr lang="pt-BR" sz="1200" dirty="0">
+              <a:solidFill>
+                <a:schemeClr val="tx1">
+                  <a:tint val="75000"/>
+                </a:schemeClr>
+              </a:solidFill>
+            </a:endParaRPr>
+          </a:p>
+          <a:p>
+            <a:pPr marL="0" marR="0" lvl="0" indent="0" algn="ctr" defTabSz="914400" rtl="0" eaLnBrk="1" fontAlgn="auto" latinLnBrk="0" hangingPunct="1">
+              <a:lnSpc>
+                <a:spcPct val="100000"/>
+              </a:lnSpc>
+              <a:spcBef>
+                <a:spcPct val="20000"/>
+              </a:spcBef>
+              <a:spcAft>
+                <a:spcPts val="0"/>
+              </a:spcAft>
+              <a:buClrTx/>
+              <a:buSzTx/>
+              <a:buFont typeface="Arial" pitchFamily="34" charset="0"/>
+              <a:buNone/>
+              <a:tabLst/>
+              <a:defRPr/>
+            </a:pPr>
+            <a:endParaRPr kumimoji="0" lang="pt-BR" sz="1200" b="0" i="0" u="none" strike="noStrike" kern="1200" cap="none" spc="0" normalizeH="0" baseline="0" noProof="0" dirty="0" smtClean="0">
+              <a:ln>
+                <a:noFill/>
+              </a:ln>
+              <a:solidFill>
+                <a:schemeClr val="tx1">
+                  <a:tint val="75000"/>
+                </a:schemeClr>
+              </a:solidFill>
+              <a:effectLst/>
+              <a:uLnTx/>
+              <a:uFillTx/>
+              <a:latin typeface="+mn-lt"/>
+              <a:ea typeface="+mn-ea"/>
+              <a:cs typeface="+mn-cs"/>
+            </a:endParaRPr>
+          </a:p>
+          <a:p>
+            <a:pPr marL="0" marR="0" lvl="0" indent="0" algn="ctr" defTabSz="914400" rtl="0" eaLnBrk="1" fontAlgn="auto" latinLnBrk="0" hangingPunct="1">
+              <a:lnSpc>
+                <a:spcPct val="100000"/>
+              </a:lnSpc>
+              <a:spcBef>
+                <a:spcPct val="20000"/>
+              </a:spcBef>
+              <a:spcAft>
+                <a:spcPts val="0"/>
+              </a:spcAft>
+              <a:buClrTx/>
+              <a:buSzTx/>
+              <a:buFont typeface="Arial" pitchFamily="34" charset="0"/>
+              <a:buNone/>
+              <a:tabLst/>
+              <a:defRPr/>
+            </a:pPr>
+            <a:endParaRPr kumimoji="0" lang="pt-BR" sz="1200" b="0" i="0" u="none" strike="noStrike" kern="1200" cap="none" spc="0" normalizeH="0" baseline="0" noProof="0" dirty="0" smtClean="0">
+              <a:ln>
+                <a:noFill/>
+              </a:ln>
+              <a:solidFill>
+                <a:schemeClr val="tx1">
+                  <a:tint val="75000"/>
+                </a:schemeClr>
+              </a:solidFill>
+              <a:effectLst/>
+              <a:uLnTx/>
+              <a:uFillTx/>
+              <a:latin typeface="+mn-lt"/>
+              <a:ea typeface="+mn-ea"/>
+              <a:cs typeface="+mn-cs"/>
+            </a:endParaRPr>
+          </a:p>
+        </p:txBody>
+      </p:sp>
+      <p:sp>
+        <p:nvSpPr>
+          <p:cNvPr id="12" name="CaixaDeTexto 11"/>
+          <p:cNvSpPr txBox="1"/>
+          <p:nvPr/>
+        </p:nvSpPr>
+        <p:spPr>
+          <a:xfrm>
+            <a:off x="2391581" y="44624"/>
+            <a:ext cx="1244315" cy="369332"/>
+          </a:xfrm>
+          <a:prstGeom prst="rect">
+            <a:avLst/>
+          </a:prstGeom>
+          <a:noFill/>
+        </p:spPr>
+        <p:txBody>
+          <a:bodyPr wrap="none" rtlCol="0">
+            <a:spAutoFit/>
+          </a:bodyPr>
+          <a:lstStyle/>
+          <a:p>
+            <a:r>
+              <a:rPr lang="pt-BR" dirty="0" smtClean="0">
+                <a:solidFill>
+                  <a:schemeClr val="bg1"/>
+                </a:solidFill>
+              </a:rPr>
+              <a:t>Visão Geral</a:t>
+            </a:r>
+            <a:endParaRPr lang="pt-BR" dirty="0">
+              <a:solidFill>
+                <a:schemeClr val="bg1"/>
+              </a:solidFill>
+            </a:endParaRPr>
+          </a:p>
+        </p:txBody>
+      </p:sp>
+      <p:sp>
+        <p:nvSpPr>
+          <p:cNvPr id="13" name="CaixaDeTexto 12"/>
+          <p:cNvSpPr txBox="1"/>
+          <p:nvPr/>
+        </p:nvSpPr>
+        <p:spPr>
+          <a:xfrm>
+            <a:off x="3635896" y="44624"/>
+            <a:ext cx="652743" cy="369332"/>
+          </a:xfrm>
+          <a:prstGeom prst="rect">
+            <a:avLst/>
+          </a:prstGeom>
+          <a:noFill/>
+        </p:spPr>
+        <p:txBody>
+          <a:bodyPr wrap="none" rtlCol="0">
+            <a:spAutoFit/>
+          </a:bodyPr>
+          <a:lstStyle/>
+          <a:p>
+            <a:r>
+              <a:rPr lang="pt-BR" dirty="0" smtClean="0">
+                <a:solidFill>
+                  <a:schemeClr val="bg1"/>
+                </a:solidFill>
+              </a:rPr>
+              <a:t>2021</a:t>
+            </a:r>
+            <a:endParaRPr lang="pt-BR" dirty="0">
+              <a:solidFill>
+                <a:schemeClr val="bg1"/>
+              </a:solidFill>
+            </a:endParaRPr>
+          </a:p>
+        </p:txBody>
+      </p:sp>
+      <p:sp>
+        <p:nvSpPr>
+          <p:cNvPr id="14" name="CaixaDeTexto 13"/>
+          <p:cNvSpPr txBox="1"/>
+          <p:nvPr/>
+        </p:nvSpPr>
+        <p:spPr>
+          <a:xfrm>
+            <a:off x="4355976" y="44624"/>
+            <a:ext cx="652743" cy="369332"/>
+          </a:xfrm>
+          <a:prstGeom prst="rect">
+            <a:avLst/>
+          </a:prstGeom>
+          <a:noFill/>
+        </p:spPr>
+        <p:txBody>
+          <a:bodyPr wrap="none" rtlCol="0">
+            <a:spAutoFit/>
+          </a:bodyPr>
+          <a:lstStyle/>
+          <a:p>
+            <a:r>
+              <a:rPr lang="pt-BR" dirty="0" smtClean="0">
+                <a:solidFill>
+                  <a:schemeClr val="bg1"/>
+                </a:solidFill>
+              </a:rPr>
+              <a:t>2022</a:t>
+            </a:r>
+            <a:endParaRPr lang="pt-BR" dirty="0">
+              <a:solidFill>
+                <a:schemeClr val="bg1"/>
+              </a:solidFill>
+            </a:endParaRPr>
+          </a:p>
+        </p:txBody>
+      </p:sp>
+      <p:sp>
+        <p:nvSpPr>
+          <p:cNvPr id="15" name="CaixaDeTexto 14"/>
+          <p:cNvSpPr txBox="1"/>
+          <p:nvPr/>
+        </p:nvSpPr>
+        <p:spPr>
+          <a:xfrm>
+            <a:off x="4999377" y="44624"/>
+            <a:ext cx="652743" cy="369332"/>
+          </a:xfrm>
+          <a:prstGeom prst="rect">
+            <a:avLst/>
+          </a:prstGeom>
+          <a:noFill/>
+        </p:spPr>
+        <p:txBody>
+          <a:bodyPr wrap="none" rtlCol="0">
+            <a:spAutoFit/>
+          </a:bodyPr>
+          <a:lstStyle/>
+          <a:p>
+            <a:r>
+              <a:rPr lang="pt-BR" dirty="0" smtClean="0">
+                <a:solidFill>
+                  <a:schemeClr val="bg1"/>
+                </a:solidFill>
+              </a:rPr>
+              <a:t>2023</a:t>
+            </a:r>
+            <a:endParaRPr lang="pt-BR" dirty="0">
+              <a:solidFill>
+                <a:schemeClr val="bg1"/>
+              </a:solidFill>
+            </a:endParaRPr>
+          </a:p>
+        </p:txBody>
+      </p:sp>
+      <p:sp>
+        <p:nvSpPr>
+          <p:cNvPr id="17" name="Subtítulo 3"/>
+          <p:cNvSpPr txBox="1">
+            <a:spLocks/>
+          </p:cNvSpPr>
+          <p:nvPr/>
+        </p:nvSpPr>
+        <p:spPr>
+          <a:xfrm>
+            <a:off x="144016" y="548680"/>
+            <a:ext cx="1728000" cy="792088"/>
+          </a:xfrm>
+          <a:prstGeom prst="rect">
+            <a:avLst/>
+          </a:prstGeom>
+        </p:spPr>
+        <p:style>
+          <a:lnRef idx="2">
+            <a:schemeClr val="dk1"/>
+          </a:lnRef>
+          <a:fillRef idx="1">
+            <a:schemeClr val="lt1"/>
+          </a:fillRef>
+          <a:effectRef idx="0">
+            <a:schemeClr val="dk1"/>
+          </a:effectRef>
+          <a:fontRef idx="minor">
+            <a:schemeClr val="dk1"/>
+          </a:fontRef>
+        </p:style>
+        <p:txBody>
+          <a:bodyPr vert="horz" lIns="91440" tIns="45720" rIns="91440" bIns="45720" rtlCol="0">
+            <a:normAutofit/>
+          </a:bodyPr>
+          <a:lstStyle/>
+          <a:p>
+            <a:pPr marL="0" marR="0" lvl="0" indent="0" algn="ctr" defTabSz="914400" rtl="0" eaLnBrk="1" fontAlgn="auto" latinLnBrk="0" hangingPunct="1">
+              <a:lnSpc>
+                <a:spcPct val="100000"/>
+              </a:lnSpc>
+              <a:spcBef>
+                <a:spcPct val="20000"/>
+              </a:spcBef>
+              <a:spcAft>
+                <a:spcPts val="0"/>
+              </a:spcAft>
+              <a:buClrTx/>
+              <a:buSzTx/>
+              <a:buFont typeface="Arial" pitchFamily="34" charset="0"/>
+              <a:buNone/>
+              <a:tabLst/>
+              <a:defRPr/>
+            </a:pPr>
+            <a:r>
+              <a:rPr kumimoji="0" lang="pt-BR" sz="1200" b="0" i="0" u="none" strike="noStrike" kern="1200" cap="none" spc="0" normalizeH="0" baseline="0" noProof="0" dirty="0" smtClean="0">
+                <a:ln>
+                  <a:noFill/>
+                </a:ln>
+                <a:solidFill>
+                  <a:schemeClr val="tx1">
+                    <a:tint val="75000"/>
+                  </a:schemeClr>
+                </a:solidFill>
+                <a:effectLst/>
+                <a:uLnTx/>
+                <a:uFillTx/>
+                <a:latin typeface="+mn-lt"/>
+                <a:ea typeface="+mn-ea"/>
+                <a:cs typeface="+mn-cs"/>
+              </a:rPr>
+              <a:t>Gerais</a:t>
+            </a:r>
+            <a:endParaRPr lang="pt-BR" sz="1200" dirty="0" smtClean="0">
+              <a:solidFill>
+                <a:schemeClr val="tx1">
+                  <a:tint val="75000"/>
+                </a:schemeClr>
+              </a:solidFill>
+            </a:endParaRPr>
+          </a:p>
+          <a:p>
+            <a:pPr marL="0" marR="0" lvl="0" indent="0" algn="ctr" defTabSz="914400" rtl="0" eaLnBrk="1" fontAlgn="auto" latinLnBrk="0" hangingPunct="1">
+              <a:lnSpc>
+                <a:spcPct val="100000"/>
+              </a:lnSpc>
+              <a:spcBef>
+                <a:spcPct val="20000"/>
+              </a:spcBef>
+              <a:spcAft>
+                <a:spcPts val="0"/>
+              </a:spcAft>
+              <a:buClrTx/>
+              <a:buSzTx/>
+              <a:buFont typeface="Arial" pitchFamily="34" charset="0"/>
+              <a:buNone/>
+              <a:tabLst/>
+              <a:defRPr/>
+            </a:pPr>
+            <a:r>
+              <a:rPr lang="pt-BR" sz="1200" dirty="0" smtClean="0">
+                <a:solidFill>
+                  <a:schemeClr val="tx1">
+                    <a:tint val="75000"/>
+                  </a:schemeClr>
+                </a:solidFill>
+              </a:rPr>
+              <a:t>Numero </a:t>
+            </a:r>
+            <a:r>
+              <a:rPr lang="pt-BR" sz="1200" dirty="0" err="1" smtClean="0">
+                <a:solidFill>
+                  <a:schemeClr val="tx1">
+                    <a:tint val="75000"/>
+                  </a:schemeClr>
+                </a:solidFill>
+              </a:rPr>
+              <a:t>Notificacoes</a:t>
+            </a:r>
+            <a:endParaRPr lang="pt-BR" sz="1200" dirty="0" smtClean="0">
+              <a:solidFill>
+                <a:schemeClr val="tx1">
+                  <a:tint val="75000"/>
+                </a:schemeClr>
+              </a:solidFill>
+            </a:endParaRPr>
+          </a:p>
+          <a:p>
+            <a:pPr marL="0" marR="0" lvl="0" indent="0" algn="ctr" defTabSz="914400" rtl="0" eaLnBrk="1" fontAlgn="auto" latinLnBrk="0" hangingPunct="1">
+              <a:lnSpc>
+                <a:spcPct val="100000"/>
+              </a:lnSpc>
+              <a:spcBef>
+                <a:spcPct val="20000"/>
+              </a:spcBef>
+              <a:spcAft>
+                <a:spcPts val="0"/>
+              </a:spcAft>
+              <a:buClrTx/>
+              <a:buSzTx/>
+              <a:buFont typeface="Arial" pitchFamily="34" charset="0"/>
+              <a:buNone/>
+              <a:tabLst/>
+              <a:defRPr/>
+            </a:pPr>
+            <a:endParaRPr kumimoji="0" lang="pt-BR" sz="1200" b="0" i="0" u="none" strike="noStrike" kern="1200" cap="none" spc="0" normalizeH="0" baseline="0" noProof="0" dirty="0" smtClean="0">
+              <a:ln>
+                <a:noFill/>
+              </a:ln>
+              <a:solidFill>
+                <a:schemeClr val="tx1">
+                  <a:tint val="75000"/>
+                </a:schemeClr>
+              </a:solidFill>
+              <a:effectLst/>
+              <a:uLnTx/>
+              <a:uFillTx/>
+              <a:latin typeface="+mn-lt"/>
+              <a:ea typeface="+mn-ea"/>
+              <a:cs typeface="+mn-cs"/>
+            </a:endParaRPr>
+          </a:p>
+          <a:p>
+            <a:pPr marL="0" marR="0" lvl="0" indent="0" algn="ctr" defTabSz="914400" rtl="0" eaLnBrk="1" fontAlgn="auto" latinLnBrk="0" hangingPunct="1">
+              <a:lnSpc>
+                <a:spcPct val="100000"/>
+              </a:lnSpc>
+              <a:spcBef>
+                <a:spcPct val="20000"/>
+              </a:spcBef>
+              <a:spcAft>
+                <a:spcPts val="0"/>
+              </a:spcAft>
+              <a:buClrTx/>
+              <a:buSzTx/>
+              <a:buFont typeface="Arial" pitchFamily="34" charset="0"/>
+              <a:buNone/>
+              <a:tabLst/>
+              <a:defRPr/>
+            </a:pPr>
+            <a:endParaRPr kumimoji="0" lang="pt-BR" sz="1200" b="0" i="0" u="none" strike="noStrike" kern="1200" cap="none" spc="0" normalizeH="0" baseline="0" noProof="0" dirty="0" smtClean="0">
+              <a:ln>
+                <a:noFill/>
+              </a:ln>
+              <a:solidFill>
+                <a:schemeClr val="tx1">
+                  <a:tint val="75000"/>
+                </a:schemeClr>
+              </a:solidFill>
+              <a:effectLst/>
+              <a:uLnTx/>
+              <a:uFillTx/>
+              <a:latin typeface="+mn-lt"/>
+              <a:ea typeface="+mn-ea"/>
+              <a:cs typeface="+mn-cs"/>
+            </a:endParaRPr>
+          </a:p>
+        </p:txBody>
+      </p:sp>
+      <p:sp>
+        <p:nvSpPr>
+          <p:cNvPr id="20" name="Subtítulo 3"/>
+          <p:cNvSpPr txBox="1">
+            <a:spLocks/>
+          </p:cNvSpPr>
+          <p:nvPr/>
+        </p:nvSpPr>
+        <p:spPr>
+          <a:xfrm>
+            <a:off x="1979712" y="548680"/>
+            <a:ext cx="1728000" cy="792088"/>
+          </a:xfrm>
+          <a:prstGeom prst="rect">
+            <a:avLst/>
+          </a:prstGeom>
+        </p:spPr>
+        <p:style>
+          <a:lnRef idx="2">
+            <a:schemeClr val="dk1"/>
+          </a:lnRef>
+          <a:fillRef idx="1">
+            <a:schemeClr val="lt1"/>
+          </a:fillRef>
+          <a:effectRef idx="0">
+            <a:schemeClr val="dk1"/>
+          </a:effectRef>
+          <a:fontRef idx="minor">
+            <a:schemeClr val="dk1"/>
+          </a:fontRef>
+        </p:style>
+        <p:txBody>
+          <a:bodyPr vert="horz" lIns="91440" tIns="45720" rIns="91440" bIns="45720" rtlCol="0">
+            <a:normAutofit/>
+          </a:bodyPr>
+          <a:lstStyle/>
+          <a:p>
+            <a:pPr algn="ctr">
+              <a:spcBef>
+                <a:spcPct val="20000"/>
+              </a:spcBef>
+              <a:defRPr/>
+            </a:pPr>
+            <a:r>
+              <a:rPr lang="pt-BR" sz="1200" dirty="0" smtClean="0">
+                <a:solidFill>
+                  <a:schemeClr val="tx1">
+                    <a:tint val="75000"/>
+                  </a:schemeClr>
+                </a:solidFill>
+              </a:rPr>
+              <a:t>% </a:t>
+            </a:r>
+            <a:r>
+              <a:rPr lang="pt-BR" sz="1200" dirty="0" err="1" smtClean="0">
+                <a:solidFill>
+                  <a:schemeClr val="tx1">
+                    <a:tint val="75000"/>
+                  </a:schemeClr>
+                </a:solidFill>
+              </a:rPr>
+              <a:t>Obitos</a:t>
+            </a:r>
+            <a:r>
+              <a:rPr lang="pt-BR" sz="1200" dirty="0" smtClean="0">
+                <a:solidFill>
+                  <a:schemeClr val="tx1">
+                    <a:tint val="75000"/>
+                  </a:schemeClr>
+                </a:solidFill>
+              </a:rPr>
+              <a:t> e </a:t>
+            </a:r>
+            <a:r>
+              <a:rPr lang="pt-BR" sz="1200" dirty="0" err="1" smtClean="0">
+                <a:solidFill>
+                  <a:schemeClr val="tx1">
+                    <a:tint val="75000"/>
+                  </a:schemeClr>
+                </a:solidFill>
+              </a:rPr>
+              <a:t>Qtde</a:t>
+            </a:r>
+            <a:endParaRPr lang="pt-BR" sz="1200" dirty="0" smtClean="0">
+              <a:solidFill>
+                <a:schemeClr val="tx1">
+                  <a:tint val="75000"/>
+                </a:schemeClr>
+              </a:solidFill>
+            </a:endParaRPr>
+          </a:p>
+          <a:p>
+            <a:pPr algn="ctr">
+              <a:spcBef>
+                <a:spcPct val="20000"/>
+              </a:spcBef>
+              <a:defRPr/>
+            </a:pPr>
+            <a:endParaRPr lang="pt-BR" sz="1200" dirty="0" smtClean="0">
+              <a:solidFill>
+                <a:schemeClr val="tx1">
+                  <a:tint val="75000"/>
+                </a:schemeClr>
+              </a:solidFill>
+            </a:endParaRPr>
+          </a:p>
+          <a:p>
+            <a:pPr algn="ctr">
+              <a:spcBef>
+                <a:spcPct val="20000"/>
+              </a:spcBef>
+              <a:defRPr/>
+            </a:pPr>
+            <a:endParaRPr lang="pt-BR" sz="1200" dirty="0" smtClean="0">
+              <a:solidFill>
+                <a:schemeClr val="tx1">
+                  <a:tint val="75000"/>
+                </a:schemeClr>
+              </a:solidFill>
+            </a:endParaRPr>
+          </a:p>
+        </p:txBody>
+      </p:sp>
+      <p:sp>
+        <p:nvSpPr>
+          <p:cNvPr id="21" name="Subtítulo 3"/>
+          <p:cNvSpPr txBox="1">
+            <a:spLocks/>
+          </p:cNvSpPr>
+          <p:nvPr/>
+        </p:nvSpPr>
+        <p:spPr>
+          <a:xfrm>
+            <a:off x="3779912" y="548680"/>
+            <a:ext cx="1728192" cy="792088"/>
+          </a:xfrm>
+          <a:prstGeom prst="rect">
+            <a:avLst/>
+          </a:prstGeom>
+        </p:spPr>
+        <p:style>
+          <a:lnRef idx="2">
+            <a:schemeClr val="dk1"/>
+          </a:lnRef>
+          <a:fillRef idx="1">
+            <a:schemeClr val="lt1"/>
+          </a:fillRef>
+          <a:effectRef idx="0">
+            <a:schemeClr val="dk1"/>
+          </a:effectRef>
+          <a:fontRef idx="minor">
+            <a:schemeClr val="dk1"/>
+          </a:fontRef>
+        </p:style>
+        <p:txBody>
+          <a:bodyPr vert="horz" lIns="91440" tIns="45720" rIns="91440" bIns="45720" rtlCol="0">
+            <a:normAutofit/>
+          </a:bodyPr>
+          <a:lstStyle/>
+          <a:p>
+            <a:pPr marL="0" marR="0" lvl="0" indent="0" algn="ctr" defTabSz="914400" rtl="0" eaLnBrk="1" fontAlgn="auto" latinLnBrk="0" hangingPunct="1">
+              <a:lnSpc>
+                <a:spcPct val="100000"/>
+              </a:lnSpc>
+              <a:spcBef>
+                <a:spcPct val="20000"/>
+              </a:spcBef>
+              <a:spcAft>
+                <a:spcPts val="0"/>
+              </a:spcAft>
+              <a:buClrTx/>
+              <a:buSzTx/>
+              <a:buFont typeface="Arial" pitchFamily="34" charset="0"/>
+              <a:buNone/>
+              <a:tabLst/>
+              <a:defRPr/>
+            </a:pPr>
+            <a:r>
+              <a:rPr kumimoji="0" lang="pt-BR" sz="1200" b="0" i="0" u="none" strike="noStrike" kern="1200" cap="none" spc="0" normalizeH="0" baseline="0" noProof="0" dirty="0" smtClean="0">
+                <a:ln>
+                  <a:noFill/>
+                </a:ln>
+                <a:solidFill>
+                  <a:schemeClr val="tx1">
+                    <a:tint val="75000"/>
+                  </a:schemeClr>
+                </a:solidFill>
+                <a:effectLst/>
+                <a:uLnTx/>
+                <a:uFillTx/>
+                <a:latin typeface="+mn-lt"/>
+                <a:ea typeface="+mn-ea"/>
+                <a:cs typeface="+mn-cs"/>
+              </a:rPr>
+              <a:t>% Cura e </a:t>
+            </a:r>
+            <a:r>
+              <a:rPr kumimoji="0" lang="pt-BR" sz="1200" b="0" i="0" u="none" strike="noStrike" kern="1200" cap="none" spc="0" normalizeH="0" baseline="0" noProof="0" dirty="0" err="1" smtClean="0">
+                <a:ln>
+                  <a:noFill/>
+                </a:ln>
+                <a:solidFill>
+                  <a:schemeClr val="tx1">
+                    <a:tint val="75000"/>
+                  </a:schemeClr>
+                </a:solidFill>
+                <a:effectLst/>
+                <a:uLnTx/>
+                <a:uFillTx/>
+                <a:latin typeface="+mn-lt"/>
+                <a:ea typeface="+mn-ea"/>
+                <a:cs typeface="+mn-cs"/>
+              </a:rPr>
+              <a:t>Qtde</a:t>
+            </a:r>
+            <a:endParaRPr lang="pt-BR" sz="1200" dirty="0" smtClean="0">
+              <a:solidFill>
+                <a:schemeClr val="tx1">
+                  <a:tint val="75000"/>
+                </a:schemeClr>
+              </a:solidFill>
+            </a:endParaRPr>
+          </a:p>
+          <a:p>
+            <a:pPr marL="0" marR="0" lvl="0" indent="0" algn="ctr" defTabSz="914400" rtl="0" eaLnBrk="1" fontAlgn="auto" latinLnBrk="0" hangingPunct="1">
+              <a:lnSpc>
+                <a:spcPct val="100000"/>
+              </a:lnSpc>
+              <a:spcBef>
+                <a:spcPct val="20000"/>
+              </a:spcBef>
+              <a:spcAft>
+                <a:spcPts val="0"/>
+              </a:spcAft>
+              <a:buClrTx/>
+              <a:buSzTx/>
+              <a:buFont typeface="Arial" pitchFamily="34" charset="0"/>
+              <a:buNone/>
+              <a:tabLst/>
+              <a:defRPr/>
+            </a:pPr>
+            <a:endParaRPr kumimoji="0" lang="pt-BR" sz="1200" b="0" i="0" u="none" strike="noStrike" kern="1200" cap="none" spc="0" normalizeH="0" baseline="0" noProof="0" dirty="0" smtClean="0">
+              <a:ln>
+                <a:noFill/>
+              </a:ln>
+              <a:solidFill>
+                <a:schemeClr val="tx1">
+                  <a:tint val="75000"/>
+                </a:schemeClr>
+              </a:solidFill>
+              <a:effectLst/>
+              <a:uLnTx/>
+              <a:uFillTx/>
+              <a:latin typeface="+mn-lt"/>
+              <a:ea typeface="+mn-ea"/>
+              <a:cs typeface="+mn-cs"/>
+            </a:endParaRPr>
+          </a:p>
+          <a:p>
+            <a:pPr marL="0" marR="0" lvl="0" indent="0" algn="ctr" defTabSz="914400" rtl="0" eaLnBrk="1" fontAlgn="auto" latinLnBrk="0" hangingPunct="1">
+              <a:lnSpc>
+                <a:spcPct val="100000"/>
+              </a:lnSpc>
+              <a:spcBef>
+                <a:spcPct val="20000"/>
+              </a:spcBef>
+              <a:spcAft>
+                <a:spcPts val="0"/>
+              </a:spcAft>
+              <a:buClrTx/>
+              <a:buSzTx/>
+              <a:buFont typeface="Arial" pitchFamily="34" charset="0"/>
+              <a:buNone/>
+              <a:tabLst/>
+              <a:defRPr/>
+            </a:pPr>
+            <a:endParaRPr kumimoji="0" lang="pt-BR" sz="1200" b="0" i="0" u="none" strike="noStrike" kern="1200" cap="none" spc="0" normalizeH="0" baseline="0" noProof="0" dirty="0" smtClean="0">
+              <a:ln>
+                <a:noFill/>
+              </a:ln>
+              <a:solidFill>
+                <a:schemeClr val="tx1">
+                  <a:tint val="75000"/>
+                </a:schemeClr>
+              </a:solidFill>
+              <a:effectLst/>
+              <a:uLnTx/>
+              <a:uFillTx/>
+              <a:latin typeface="+mn-lt"/>
+              <a:ea typeface="+mn-ea"/>
+              <a:cs typeface="+mn-cs"/>
+            </a:endParaRPr>
+          </a:p>
+        </p:txBody>
+      </p:sp>
+      <p:sp>
+        <p:nvSpPr>
+          <p:cNvPr id="22" name="Subtítulo 3"/>
+          <p:cNvSpPr txBox="1">
+            <a:spLocks/>
+          </p:cNvSpPr>
+          <p:nvPr/>
+        </p:nvSpPr>
+        <p:spPr>
+          <a:xfrm>
+            <a:off x="5580112" y="548680"/>
+            <a:ext cx="1728000" cy="792088"/>
+          </a:xfrm>
+          <a:prstGeom prst="rect">
+            <a:avLst/>
+          </a:prstGeom>
+        </p:spPr>
+        <p:style>
+          <a:lnRef idx="2">
+            <a:schemeClr val="dk1"/>
+          </a:lnRef>
+          <a:fillRef idx="1">
+            <a:schemeClr val="lt1"/>
+          </a:fillRef>
+          <a:effectRef idx="0">
+            <a:schemeClr val="dk1"/>
+          </a:effectRef>
+          <a:fontRef idx="minor">
+            <a:schemeClr val="dk1"/>
+          </a:fontRef>
+        </p:style>
+        <p:txBody>
+          <a:bodyPr vert="horz" lIns="91440" tIns="45720" rIns="91440" bIns="45720" rtlCol="0">
+            <a:normAutofit/>
+          </a:bodyPr>
+          <a:lstStyle/>
+          <a:p>
+            <a:pPr marL="0" marR="0" lvl="0" indent="0" algn="ctr" defTabSz="914400" rtl="0" eaLnBrk="1" fontAlgn="auto" latinLnBrk="0" hangingPunct="1">
+              <a:lnSpc>
+                <a:spcPct val="100000"/>
+              </a:lnSpc>
+              <a:spcBef>
+                <a:spcPct val="20000"/>
+              </a:spcBef>
+              <a:spcAft>
+                <a:spcPts val="0"/>
+              </a:spcAft>
+              <a:buClrTx/>
+              <a:buSzTx/>
+              <a:buFont typeface="Arial" pitchFamily="34" charset="0"/>
+              <a:buNone/>
+              <a:tabLst/>
+              <a:defRPr/>
+            </a:pPr>
+            <a:r>
+              <a:rPr lang="pt-BR" sz="1200" dirty="0" smtClean="0">
+                <a:solidFill>
+                  <a:schemeClr val="tx1">
+                    <a:tint val="75000"/>
+                  </a:schemeClr>
+                </a:solidFill>
+              </a:rPr>
+              <a:t>% </a:t>
+            </a:r>
+            <a:r>
+              <a:rPr lang="pt-BR" sz="1200" dirty="0" err="1" smtClean="0">
+                <a:solidFill>
+                  <a:schemeClr val="tx1">
+                    <a:tint val="75000"/>
+                  </a:schemeClr>
+                </a:solidFill>
+              </a:rPr>
+              <a:t>Obito</a:t>
+            </a:r>
+            <a:r>
+              <a:rPr lang="pt-BR" sz="1200" dirty="0" smtClean="0">
+                <a:solidFill>
+                  <a:schemeClr val="tx1">
+                    <a:tint val="75000"/>
+                  </a:schemeClr>
+                </a:solidFill>
+              </a:rPr>
+              <a:t> Outras </a:t>
+            </a:r>
+            <a:r>
+              <a:rPr lang="pt-BR" sz="1200" dirty="0" err="1" smtClean="0">
+                <a:solidFill>
+                  <a:schemeClr val="tx1">
+                    <a:tint val="75000"/>
+                  </a:schemeClr>
+                </a:solidFill>
+              </a:rPr>
+              <a:t>Doencas</a:t>
+            </a:r>
+            <a:r>
+              <a:rPr lang="pt-BR" sz="1200" dirty="0" smtClean="0">
+                <a:solidFill>
+                  <a:schemeClr val="tx1">
+                    <a:tint val="75000"/>
+                  </a:schemeClr>
+                </a:solidFill>
+              </a:rPr>
+              <a:t> </a:t>
+            </a:r>
+            <a:r>
+              <a:rPr lang="pt-BR" sz="1200" dirty="0" err="1" smtClean="0">
+                <a:solidFill>
+                  <a:schemeClr val="tx1">
+                    <a:tint val="75000"/>
+                  </a:schemeClr>
+                </a:solidFill>
+              </a:rPr>
+              <a:t>Qtde</a:t>
+            </a:r>
+            <a:endParaRPr lang="pt-BR" sz="1200" dirty="0" smtClean="0">
+              <a:solidFill>
+                <a:schemeClr val="tx1">
+                  <a:tint val="75000"/>
+                </a:schemeClr>
+              </a:solidFill>
+            </a:endParaRPr>
+          </a:p>
+          <a:p>
+            <a:pPr marL="0" marR="0" lvl="0" indent="0" algn="ctr" defTabSz="914400" rtl="0" eaLnBrk="1" fontAlgn="auto" latinLnBrk="0" hangingPunct="1">
+              <a:lnSpc>
+                <a:spcPct val="100000"/>
+              </a:lnSpc>
+              <a:spcBef>
+                <a:spcPct val="20000"/>
+              </a:spcBef>
+              <a:spcAft>
+                <a:spcPts val="0"/>
+              </a:spcAft>
+              <a:buClrTx/>
+              <a:buSzTx/>
+              <a:buFont typeface="Arial" pitchFamily="34" charset="0"/>
+              <a:buNone/>
+              <a:tabLst/>
+              <a:defRPr/>
+            </a:pPr>
+            <a:endParaRPr kumimoji="0" lang="pt-BR" sz="1200" b="0" i="0" u="none" strike="noStrike" kern="1200" cap="none" spc="0" normalizeH="0" baseline="0" noProof="0" dirty="0" smtClean="0">
+              <a:ln>
+                <a:noFill/>
+              </a:ln>
+              <a:solidFill>
+                <a:schemeClr val="tx1">
+                  <a:tint val="75000"/>
+                </a:schemeClr>
+              </a:solidFill>
+              <a:effectLst/>
+              <a:uLnTx/>
+              <a:uFillTx/>
+              <a:latin typeface="+mn-lt"/>
+              <a:ea typeface="+mn-ea"/>
+              <a:cs typeface="+mn-cs"/>
+            </a:endParaRPr>
+          </a:p>
+          <a:p>
+            <a:pPr marL="0" marR="0" lvl="0" indent="0" algn="ctr" defTabSz="914400" rtl="0" eaLnBrk="1" fontAlgn="auto" latinLnBrk="0" hangingPunct="1">
+              <a:lnSpc>
+                <a:spcPct val="100000"/>
+              </a:lnSpc>
+              <a:spcBef>
+                <a:spcPct val="20000"/>
+              </a:spcBef>
+              <a:spcAft>
+                <a:spcPts val="0"/>
+              </a:spcAft>
+              <a:buClrTx/>
+              <a:buSzTx/>
+              <a:buFont typeface="Arial" pitchFamily="34" charset="0"/>
+              <a:buNone/>
+              <a:tabLst/>
+              <a:defRPr/>
+            </a:pPr>
+            <a:endParaRPr kumimoji="0" lang="pt-BR" sz="1200" b="0" i="0" u="none" strike="noStrike" kern="1200" cap="none" spc="0" normalizeH="0" baseline="0" noProof="0" dirty="0" smtClean="0">
+              <a:ln>
+                <a:noFill/>
+              </a:ln>
+              <a:solidFill>
+                <a:schemeClr val="tx1">
+                  <a:tint val="75000"/>
+                </a:schemeClr>
+              </a:solidFill>
+              <a:effectLst/>
+              <a:uLnTx/>
+              <a:uFillTx/>
+              <a:latin typeface="+mn-lt"/>
+              <a:ea typeface="+mn-ea"/>
+              <a:cs typeface="+mn-cs"/>
+            </a:endParaRPr>
+          </a:p>
+        </p:txBody>
+      </p:sp>
+      <p:sp>
+        <p:nvSpPr>
+          <p:cNvPr id="23" name="Subtítulo 3"/>
+          <p:cNvSpPr txBox="1">
+            <a:spLocks/>
+          </p:cNvSpPr>
+          <p:nvPr/>
+        </p:nvSpPr>
+        <p:spPr>
+          <a:xfrm>
+            <a:off x="7361730" y="548680"/>
+            <a:ext cx="1728000" cy="792088"/>
+          </a:xfrm>
+          <a:prstGeom prst="rect">
+            <a:avLst/>
+          </a:prstGeom>
+        </p:spPr>
+        <p:style>
+          <a:lnRef idx="2">
+            <a:schemeClr val="dk1"/>
+          </a:lnRef>
+          <a:fillRef idx="1">
+            <a:schemeClr val="lt1"/>
+          </a:fillRef>
+          <a:effectRef idx="0">
+            <a:schemeClr val="dk1"/>
+          </a:effectRef>
+          <a:fontRef idx="minor">
+            <a:schemeClr val="dk1"/>
+          </a:fontRef>
+        </p:style>
+        <p:txBody>
+          <a:bodyPr vert="horz" lIns="91440" tIns="45720" rIns="91440" bIns="45720" rtlCol="0">
+            <a:normAutofit/>
+          </a:bodyPr>
+          <a:lstStyle/>
+          <a:p>
+            <a:pPr marL="0" marR="0" lvl="0" indent="0" algn="ctr" defTabSz="914400" rtl="0" eaLnBrk="1" fontAlgn="auto" latinLnBrk="0" hangingPunct="1">
+              <a:lnSpc>
+                <a:spcPct val="100000"/>
+              </a:lnSpc>
+              <a:spcBef>
+                <a:spcPct val="20000"/>
+              </a:spcBef>
+              <a:spcAft>
+                <a:spcPts val="0"/>
+              </a:spcAft>
+              <a:buClrTx/>
+              <a:buSzTx/>
+              <a:buFont typeface="Arial" pitchFamily="34" charset="0"/>
+              <a:buNone/>
+              <a:tabLst/>
+              <a:defRPr/>
+            </a:pPr>
+            <a:r>
+              <a:rPr lang="pt-BR" sz="1200" dirty="0" smtClean="0">
+                <a:solidFill>
+                  <a:schemeClr val="tx1">
+                    <a:tint val="75000"/>
+                  </a:schemeClr>
+                </a:solidFill>
+              </a:rPr>
+              <a:t>% Sem </a:t>
+            </a:r>
+            <a:r>
+              <a:rPr lang="pt-BR" sz="1200" dirty="0" err="1" smtClean="0">
+                <a:solidFill>
+                  <a:schemeClr val="tx1">
+                    <a:tint val="75000"/>
+                  </a:schemeClr>
+                </a:solidFill>
+              </a:rPr>
+              <a:t>info</a:t>
+            </a:r>
+            <a:endParaRPr lang="pt-BR" sz="1200" dirty="0" smtClean="0">
+              <a:solidFill>
+                <a:schemeClr val="tx1">
+                  <a:tint val="75000"/>
+                </a:schemeClr>
+              </a:solidFill>
+            </a:endParaRPr>
+          </a:p>
+          <a:p>
+            <a:pPr marL="0" marR="0" lvl="0" indent="0" algn="ctr" defTabSz="914400" rtl="0" eaLnBrk="1" fontAlgn="auto" latinLnBrk="0" hangingPunct="1">
+              <a:lnSpc>
+                <a:spcPct val="100000"/>
+              </a:lnSpc>
+              <a:spcBef>
+                <a:spcPct val="20000"/>
+              </a:spcBef>
+              <a:spcAft>
+                <a:spcPts val="0"/>
+              </a:spcAft>
+              <a:buClrTx/>
+              <a:buSzTx/>
+              <a:buFont typeface="Arial" pitchFamily="34" charset="0"/>
+              <a:buNone/>
+              <a:tabLst/>
+              <a:defRPr/>
+            </a:pPr>
+            <a:endParaRPr kumimoji="0" lang="pt-BR" sz="1200" b="0" i="0" u="none" strike="noStrike" kern="1200" cap="none" spc="0" normalizeH="0" baseline="0" noProof="0" dirty="0" smtClean="0">
+              <a:ln>
+                <a:noFill/>
+              </a:ln>
+              <a:solidFill>
+                <a:schemeClr val="tx1">
+                  <a:tint val="75000"/>
+                </a:schemeClr>
+              </a:solidFill>
+              <a:effectLst/>
+              <a:uLnTx/>
+              <a:uFillTx/>
+              <a:latin typeface="+mn-lt"/>
+              <a:ea typeface="+mn-ea"/>
+              <a:cs typeface="+mn-cs"/>
+            </a:endParaRPr>
+          </a:p>
+          <a:p>
+            <a:pPr marL="0" marR="0" lvl="0" indent="0" algn="ctr" defTabSz="914400" rtl="0" eaLnBrk="1" fontAlgn="auto" latinLnBrk="0" hangingPunct="1">
+              <a:lnSpc>
+                <a:spcPct val="100000"/>
+              </a:lnSpc>
+              <a:spcBef>
+                <a:spcPct val="20000"/>
+              </a:spcBef>
+              <a:spcAft>
+                <a:spcPts val="0"/>
+              </a:spcAft>
+              <a:buClrTx/>
+              <a:buSzTx/>
+              <a:buFont typeface="Arial" pitchFamily="34" charset="0"/>
+              <a:buNone/>
+              <a:tabLst/>
+              <a:defRPr/>
+            </a:pPr>
+            <a:endParaRPr kumimoji="0" lang="pt-BR" sz="1200" b="0" i="0" u="none" strike="noStrike" kern="1200" cap="none" spc="0" normalizeH="0" baseline="0" noProof="0" dirty="0" smtClean="0">
+              <a:ln>
+                <a:noFill/>
+              </a:ln>
+              <a:solidFill>
+                <a:schemeClr val="tx1">
+                  <a:tint val="75000"/>
+                </a:schemeClr>
+              </a:solidFill>
+              <a:effectLst/>
+              <a:uLnTx/>
+              <a:uFillTx/>
+              <a:latin typeface="+mn-lt"/>
+              <a:ea typeface="+mn-ea"/>
+              <a:cs typeface="+mn-cs"/>
+            </a:endParaRPr>
+          </a:p>
+        </p:txBody>
+      </p:sp>
+      <p:sp>
+        <p:nvSpPr>
+          <p:cNvPr id="24" name="Subtítulo 3"/>
+          <p:cNvSpPr txBox="1">
+            <a:spLocks/>
+          </p:cNvSpPr>
+          <p:nvPr/>
+        </p:nvSpPr>
+        <p:spPr>
+          <a:xfrm>
+            <a:off x="4355976" y="5229200"/>
+            <a:ext cx="2376264" cy="1419944"/>
+          </a:xfrm>
+          <a:prstGeom prst="rect">
+            <a:avLst/>
+          </a:prstGeom>
+        </p:spPr>
+        <p:style>
+          <a:lnRef idx="2">
+            <a:schemeClr val="dk1"/>
+          </a:lnRef>
+          <a:fillRef idx="1">
+            <a:schemeClr val="lt1"/>
+          </a:fillRef>
+          <a:effectRef idx="0">
+            <a:schemeClr val="dk1"/>
+          </a:effectRef>
+          <a:fontRef idx="minor">
+            <a:schemeClr val="dk1"/>
+          </a:fontRef>
+        </p:style>
+        <p:txBody>
+          <a:bodyPr vert="horz" lIns="91440" tIns="45720" rIns="91440" bIns="45720" rtlCol="0">
+            <a:normAutofit/>
+          </a:bodyPr>
+          <a:lstStyle/>
+          <a:p>
+            <a:pPr marL="0" marR="0" lvl="0" indent="0" algn="ctr" defTabSz="914400" rtl="0" eaLnBrk="1" fontAlgn="auto" latinLnBrk="0" hangingPunct="1">
+              <a:lnSpc>
+                <a:spcPct val="100000"/>
+              </a:lnSpc>
+              <a:spcBef>
+                <a:spcPct val="20000"/>
+              </a:spcBef>
+              <a:spcAft>
+                <a:spcPts val="0"/>
+              </a:spcAft>
+              <a:buClrTx/>
+              <a:buSzTx/>
+              <a:buFont typeface="Arial" pitchFamily="34" charset="0"/>
+              <a:buNone/>
+              <a:tabLst/>
+              <a:defRPr/>
+            </a:pPr>
+            <a:r>
+              <a:rPr kumimoji="0" lang="pt-BR" sz="1200" b="0" i="0" u="none" strike="noStrike" kern="1200" cap="none" spc="0" normalizeH="0" baseline="0" noProof="0" dirty="0" smtClean="0">
+                <a:ln>
+                  <a:noFill/>
+                </a:ln>
+                <a:solidFill>
+                  <a:schemeClr val="tx1">
+                    <a:tint val="75000"/>
+                  </a:schemeClr>
+                </a:solidFill>
+                <a:effectLst/>
+                <a:uLnTx/>
+                <a:uFillTx/>
+                <a:latin typeface="+mn-lt"/>
+                <a:ea typeface="+mn-ea"/>
+                <a:cs typeface="+mn-cs"/>
+              </a:rPr>
+              <a:t>Nuvem de palavras </a:t>
+            </a:r>
+            <a:r>
+              <a:rPr kumimoji="0" lang="pt-BR" sz="1200" b="0" i="0" u="none" strike="noStrike" kern="1200" cap="none" spc="0" normalizeH="0" baseline="0" noProof="0" dirty="0" err="1" smtClean="0">
+                <a:ln>
+                  <a:noFill/>
+                </a:ln>
+                <a:solidFill>
+                  <a:schemeClr val="tx1">
+                    <a:tint val="75000"/>
+                  </a:schemeClr>
+                </a:solidFill>
+                <a:effectLst/>
+                <a:uLnTx/>
+                <a:uFillTx/>
+                <a:latin typeface="+mn-lt"/>
+                <a:ea typeface="+mn-ea"/>
+                <a:cs typeface="+mn-cs"/>
+              </a:rPr>
+              <a:t>Ocupacao</a:t>
+            </a:r>
+            <a:endParaRPr kumimoji="0" lang="pt-BR" sz="1200" b="0" i="0" u="none" strike="noStrike" kern="1200" cap="none" spc="0" normalizeH="0" baseline="0" noProof="0" dirty="0" smtClean="0">
+              <a:ln>
+                <a:noFill/>
+              </a:ln>
+              <a:solidFill>
+                <a:schemeClr val="tx1">
+                  <a:tint val="75000"/>
+                </a:schemeClr>
+              </a:solidFill>
+              <a:effectLst/>
+              <a:uLnTx/>
+              <a:uFillTx/>
+              <a:latin typeface="+mn-lt"/>
+              <a:ea typeface="+mn-ea"/>
+              <a:cs typeface="+mn-cs"/>
+            </a:endParaRPr>
+          </a:p>
+        </p:txBody>
+      </p:sp>
+      <p:sp>
+        <p:nvSpPr>
+          <p:cNvPr id="25" name="Subtítulo 3"/>
+          <p:cNvSpPr txBox="1">
+            <a:spLocks/>
+          </p:cNvSpPr>
+          <p:nvPr/>
+        </p:nvSpPr>
+        <p:spPr>
+          <a:xfrm>
+            <a:off x="1979712" y="5229200"/>
+            <a:ext cx="2232248" cy="1419944"/>
+          </a:xfrm>
+          <a:prstGeom prst="rect">
+            <a:avLst/>
+          </a:prstGeom>
+        </p:spPr>
+        <p:style>
+          <a:lnRef idx="2">
+            <a:schemeClr val="dk1"/>
+          </a:lnRef>
+          <a:fillRef idx="1">
+            <a:schemeClr val="lt1"/>
+          </a:fillRef>
+          <a:effectRef idx="0">
+            <a:schemeClr val="dk1"/>
+          </a:effectRef>
+          <a:fontRef idx="minor">
+            <a:schemeClr val="dk1"/>
+          </a:fontRef>
+        </p:style>
+        <p:txBody>
+          <a:bodyPr vert="horz" lIns="91440" tIns="45720" rIns="91440" bIns="45720" rtlCol="0">
+            <a:normAutofit/>
+          </a:bodyPr>
+          <a:lstStyle/>
+          <a:p>
+            <a:pPr marL="0" marR="0" lvl="0" indent="0" algn="ctr" defTabSz="914400" rtl="0" eaLnBrk="1" fontAlgn="auto" latinLnBrk="0" hangingPunct="1">
+              <a:lnSpc>
+                <a:spcPct val="100000"/>
+              </a:lnSpc>
+              <a:spcBef>
+                <a:spcPct val="20000"/>
+              </a:spcBef>
+              <a:spcAft>
+                <a:spcPts val="0"/>
+              </a:spcAft>
+              <a:buClrTx/>
+              <a:buSzTx/>
+              <a:buFont typeface="Arial" pitchFamily="34" charset="0"/>
+              <a:buNone/>
+              <a:tabLst/>
+              <a:defRPr/>
+            </a:pPr>
+            <a:r>
+              <a:rPr kumimoji="0" lang="pt-BR" sz="1200" b="0" i="0" u="none" strike="noStrike" kern="1200" cap="none" spc="0" normalizeH="0" baseline="0" noProof="0" dirty="0" err="1" smtClean="0">
+                <a:ln>
+                  <a:noFill/>
+                </a:ln>
+                <a:solidFill>
+                  <a:schemeClr val="tx1">
+                    <a:tint val="75000"/>
+                  </a:schemeClr>
+                </a:solidFill>
+                <a:effectLst/>
+                <a:uLnTx/>
+                <a:uFillTx/>
+                <a:latin typeface="+mn-lt"/>
+                <a:ea typeface="+mn-ea"/>
+                <a:cs typeface="+mn-cs"/>
+              </a:rPr>
+              <a:t>Grafico</a:t>
+            </a:r>
+            <a:r>
+              <a:rPr kumimoji="0" lang="pt-BR" sz="1200" b="0" i="0" u="none" strike="noStrike" kern="1200" cap="none" spc="0" normalizeH="0" baseline="0" noProof="0" dirty="0" smtClean="0">
+                <a:ln>
+                  <a:noFill/>
+                </a:ln>
+                <a:solidFill>
+                  <a:schemeClr val="tx1">
+                    <a:tint val="75000"/>
+                  </a:schemeClr>
+                </a:solidFill>
+                <a:effectLst/>
+                <a:uLnTx/>
+                <a:uFillTx/>
+                <a:latin typeface="+mn-lt"/>
+                <a:ea typeface="+mn-ea"/>
+                <a:cs typeface="+mn-cs"/>
+              </a:rPr>
+              <a:t> Escolaridade</a:t>
+            </a:r>
+            <a:endParaRPr kumimoji="0" lang="pt-BR" sz="1200" b="0" i="0" u="none" strike="noStrike" kern="1200" cap="none" spc="0" normalizeH="0" baseline="0" noProof="0" dirty="0" smtClean="0">
+              <a:ln>
+                <a:noFill/>
+              </a:ln>
+              <a:solidFill>
+                <a:schemeClr val="tx1">
+                  <a:tint val="75000"/>
+                </a:schemeClr>
+              </a:solidFill>
+              <a:effectLst/>
+              <a:uLnTx/>
+              <a:uFillTx/>
+              <a:latin typeface="+mn-lt"/>
+              <a:ea typeface="+mn-ea"/>
+              <a:cs typeface="+mn-cs"/>
             </a:endParaRPr>
           </a:p>
         </p:txBody>
